--- a/PowerPoint/SP3.pptx
+++ b/PowerPoint/SP3.pptx
@@ -7,6 +7,8 @@
   <p:sldIdLst>
     <p:sldId id="256" r:id="rId2"/>
     <p:sldId id="257" r:id="rId3"/>
+    <p:sldId id="258" r:id="rId4"/>
+    <p:sldId id="259" r:id="rId5"/>
   </p:sldIdLst>
   <p:sldSz cx="12192000" cy="6858000"/>
   <p:notesSz cx="6858000" cy="9144000"/>
@@ -105,6 +107,11 @@
       </a:defRPr>
     </a:lvl9pPr>
   </p:defaultTextStyle>
+  <p:extLst>
+    <p:ext uri="{EFAFB233-063F-42B5-8137-9DF3F51BA10A}">
+      <p15:sldGuideLst xmlns:p15="http://schemas.microsoft.com/office/powerpoint/2012/main"/>
+    </p:ext>
+  </p:extLst>
 </p:presentation>
 </file>
 
@@ -3491,7 +3498,7 @@
           </a:p>
           <a:p>
             <a:r>
-              <a:rPr lang="en-US" sz="1600" b="1" dirty="0" smtClean="0">
+              <a:rPr lang="en-US" sz="1600" b="1" noProof="1" smtClean="0">
                 <a:solidFill>
                   <a:schemeClr val="tx1">
                     <a:lumMod val="65000"/>
@@ -3500,7 +3507,31 @@
                 </a:solidFill>
                 <a:latin typeface="Arial Narrow" panose="020B0606020202030204" pitchFamily="34" charset="0"/>
               </a:rPr>
-              <a:t>Andreas, Olivia, </a:t>
+              <a:t>Andreas</a:t>
+            </a:r>
+            <a:r>
+              <a:rPr lang="en-US" sz="1600" b="1" dirty="0" smtClean="0">
+                <a:solidFill>
+                  <a:schemeClr val="tx1">
+                    <a:lumMod val="65000"/>
+                    <a:lumOff val="35000"/>
+                  </a:schemeClr>
+                </a:solidFill>
+                <a:latin typeface="Arial Narrow" panose="020B0606020202030204" pitchFamily="34" charset="0"/>
+              </a:rPr>
+              <a:t>, </a:t>
+            </a:r>
+            <a:r>
+              <a:rPr lang="en-US" sz="1600" b="1" dirty="0" smtClean="0">
+                <a:solidFill>
+                  <a:schemeClr val="tx1">
+                    <a:lumMod val="65000"/>
+                    <a:lumOff val="35000"/>
+                  </a:schemeClr>
+                </a:solidFill>
+                <a:latin typeface="Arial Narrow" panose="020B0606020202030204" pitchFamily="34" charset="0"/>
+              </a:rPr>
+              <a:t>Olivia, </a:t>
             </a:r>
             <a:r>
               <a:rPr lang="en-US" sz="1600" b="1" dirty="0" err="1" smtClean="0">
@@ -3591,31 +3622,59 @@
           <a:lstStyle/>
           <a:p>
             <a:r>
+              <a:rPr lang="en-US" b="1" dirty="0" smtClean="0">
+                <a:solidFill>
+                  <a:schemeClr val="tx1">
+                    <a:lumMod val="65000"/>
+                    <a:lumOff val="35000"/>
+                  </a:schemeClr>
+                </a:solidFill>
+              </a:rPr>
+              <a:t>Presentation</a:t>
+            </a:r>
+            <a:endParaRPr lang="da-DK" b="1" dirty="0">
+              <a:solidFill>
+                <a:schemeClr val="tx1">
+                  <a:lumMod val="65000"/>
+                  <a:lumOff val="35000"/>
+                </a:schemeClr>
+              </a:solidFill>
+            </a:endParaRPr>
+          </a:p>
+        </p:txBody>
+      </p:sp>
+      <p:sp>
+        <p:nvSpPr>
+          <p:cNvPr id="3" name="Content Placeholder 2"/>
+          <p:cNvSpPr>
+            <a:spLocks noGrp="1"/>
+          </p:cNvSpPr>
+          <p:nvPr>
+            <p:ph idx="1"/>
+          </p:nvPr>
+        </p:nvSpPr>
+        <p:spPr/>
+        <p:txBody>
+          <a:bodyPr/>
+          <a:lstStyle/>
+          <a:p>
+            <a:pPr marL="45720" indent="0">
+              <a:buNone/>
+            </a:pPr>
+            <a:r>
+              <a:rPr lang="en-US" b="1" dirty="0" smtClean="0">
+                <a:solidFill>
+                  <a:schemeClr val="tx1">
+                    <a:lumMod val="65000"/>
+                    <a:lumOff val="35000"/>
+                  </a:schemeClr>
+                </a:solidFill>
+              </a:rPr>
+              <a:t>Expert Area</a:t>
+            </a:r>
+            <a:r>
               <a:rPr lang="en-US" dirty="0" smtClean="0"/>
-              <a:t>Presentation</a:t>
-            </a:r>
-            <a:endParaRPr lang="da-DK" dirty="0"/>
-          </a:p>
-        </p:txBody>
-      </p:sp>
-      <p:sp>
-        <p:nvSpPr>
-          <p:cNvPr id="3" name="Content Placeholder 2"/>
-          <p:cNvSpPr>
-            <a:spLocks noGrp="1"/>
-          </p:cNvSpPr>
-          <p:nvPr>
-            <p:ph idx="1"/>
-          </p:nvPr>
-        </p:nvSpPr>
-        <p:spPr/>
-        <p:txBody>
-          <a:bodyPr/>
-          <a:lstStyle/>
-          <a:p>
-            <a:r>
-              <a:rPr lang="en-US" dirty="0" smtClean="0"/>
-              <a:t>Expert Area</a:t>
+              <a:t/>
             </a:r>
             <a:br>
               <a:rPr lang="en-US" dirty="0" smtClean="0"/>
@@ -3628,17 +3687,79 @@
               <a:rPr lang="en-US" dirty="0" smtClean="0"/>
             </a:br>
             <a:r>
+              <a:rPr lang="en-US" sz="1800" b="1" dirty="0" smtClean="0">
+                <a:solidFill>
+                  <a:schemeClr val="tx1">
+                    <a:lumMod val="50000"/>
+                    <a:lumOff val="50000"/>
+                  </a:schemeClr>
+                </a:solidFill>
+              </a:rPr>
+              <a:t>- </a:t>
+            </a:r>
+            <a:r>
+              <a:rPr lang="en-US" sz="1800" b="1" dirty="0" smtClean="0">
+                <a:solidFill>
+                  <a:schemeClr val="tx1">
+                    <a:lumMod val="50000"/>
+                    <a:lumOff val="50000"/>
+                  </a:schemeClr>
+                </a:solidFill>
+              </a:rPr>
+              <a:t>Text</a:t>
+            </a:r>
+            <a:endParaRPr lang="en-US" sz="1800" b="1" dirty="0" smtClean="0">
+              <a:solidFill>
+                <a:schemeClr val="tx1">
+                  <a:lumMod val="50000"/>
+                  <a:lumOff val="50000"/>
+                </a:schemeClr>
+              </a:solidFill>
+            </a:endParaRPr>
+          </a:p>
+          <a:p>
+            <a:endParaRPr lang="en-US" dirty="0" smtClean="0"/>
+          </a:p>
+          <a:p>
+            <a:pPr marL="45720" indent="0">
+              <a:buNone/>
+            </a:pPr>
+            <a:r>
+              <a:rPr lang="en-US" b="1" dirty="0" smtClean="0">
+                <a:solidFill>
+                  <a:schemeClr val="tx1">
+                    <a:lumMod val="65000"/>
+                    <a:lumOff val="35000"/>
+                  </a:schemeClr>
+                </a:solidFill>
+              </a:rPr>
+              <a:t>In </a:t>
+            </a:r>
+            <a:r>
+              <a:rPr lang="en-US" b="1" dirty="0" smtClean="0">
+                <a:solidFill>
+                  <a:schemeClr val="tx1">
+                    <a:lumMod val="65000"/>
+                    <a:lumOff val="35000"/>
+                  </a:schemeClr>
+                </a:solidFill>
+              </a:rPr>
+              <a:t>this </a:t>
+            </a:r>
+            <a:r>
+              <a:rPr lang="en-US" b="1" dirty="0" smtClean="0">
+                <a:solidFill>
+                  <a:schemeClr val="tx1">
+                    <a:lumMod val="65000"/>
+                    <a:lumOff val="35000"/>
+                  </a:schemeClr>
+                </a:solidFill>
+              </a:rPr>
+              <a:t>presentation</a:t>
+            </a:r>
+            <a:r>
               <a:rPr lang="en-US" dirty="0" smtClean="0"/>
-              <a:t>- TEXT</a:t>
-            </a:r>
-          </a:p>
-          <a:p>
-            <a:endParaRPr lang="en-US" dirty="0"/>
-          </a:p>
-          <a:p>
-            <a:r>
-              <a:rPr lang="en-US" dirty="0" smtClean="0"/>
-              <a:t>In this presentation:</a:t>
+              <a:t/>
             </a:r>
             <a:br>
               <a:rPr lang="en-US" dirty="0" smtClean="0"/>
@@ -3651,42 +3772,183 @@
               <a:rPr lang="en-US" dirty="0" smtClean="0"/>
             </a:br>
             <a:r>
-              <a:rPr lang="en-US" dirty="0" smtClean="0"/>
+              <a:rPr lang="en-US" sz="1800" dirty="0" smtClean="0">
+                <a:solidFill>
+                  <a:schemeClr val="tx1">
+                    <a:lumMod val="50000"/>
+                    <a:lumOff val="50000"/>
+                  </a:schemeClr>
+                </a:solidFill>
+              </a:rPr>
               <a:t>- Something</a:t>
             </a:r>
             <a:r>
-              <a:rPr lang="da-DK" dirty="0" smtClean="0"/>
+              <a:rPr lang="da-DK" sz="1800" dirty="0" smtClean="0">
+                <a:solidFill>
+                  <a:schemeClr val="tx1">
+                    <a:lumMod val="50000"/>
+                    <a:lumOff val="50000"/>
+                  </a:schemeClr>
+                </a:solidFill>
+              </a:rPr>
               <a:t/>
             </a:r>
             <a:br>
-              <a:rPr lang="da-DK" dirty="0" smtClean="0"/>
+              <a:rPr lang="da-DK" sz="1800" dirty="0" smtClean="0">
+                <a:solidFill>
+                  <a:schemeClr val="tx1">
+                    <a:lumMod val="50000"/>
+                    <a:lumOff val="50000"/>
+                  </a:schemeClr>
+                </a:solidFill>
+              </a:rPr>
             </a:br>
             <a:r>
-              <a:rPr lang="da-DK" dirty="0" smtClean="0"/>
+              <a:rPr lang="da-DK" sz="1800" dirty="0" smtClean="0">
+                <a:solidFill>
+                  <a:schemeClr val="tx1">
+                    <a:lumMod val="50000"/>
+                    <a:lumOff val="50000"/>
+                  </a:schemeClr>
+                </a:solidFill>
+              </a:rPr>
               <a:t>- Something</a:t>
             </a:r>
             <a:br>
-              <a:rPr lang="da-DK" dirty="0" smtClean="0"/>
+              <a:rPr lang="da-DK" sz="1800" dirty="0" smtClean="0">
+                <a:solidFill>
+                  <a:schemeClr val="tx1">
+                    <a:lumMod val="50000"/>
+                    <a:lumOff val="50000"/>
+                  </a:schemeClr>
+                </a:solidFill>
+              </a:rPr>
             </a:br>
             <a:r>
-              <a:rPr lang="da-DK" dirty="0" smtClean="0"/>
+              <a:rPr lang="da-DK" sz="1800" dirty="0" smtClean="0">
+                <a:solidFill>
+                  <a:schemeClr val="tx1">
+                    <a:lumMod val="50000"/>
+                    <a:lumOff val="50000"/>
+                  </a:schemeClr>
+                </a:solidFill>
+              </a:rPr>
               <a:t>- Something</a:t>
             </a:r>
             <a:br>
-              <a:rPr lang="da-DK" dirty="0" smtClean="0"/>
+              <a:rPr lang="da-DK" sz="1800" dirty="0" smtClean="0">
+                <a:solidFill>
+                  <a:schemeClr val="tx1">
+                    <a:lumMod val="50000"/>
+                    <a:lumOff val="50000"/>
+                  </a:schemeClr>
+                </a:solidFill>
+              </a:rPr>
             </a:br>
             <a:r>
-              <a:rPr lang="da-DK" dirty="0" smtClean="0"/>
+              <a:rPr lang="da-DK" sz="1800" dirty="0" smtClean="0">
+                <a:solidFill>
+                  <a:schemeClr val="tx1">
+                    <a:lumMod val="50000"/>
+                    <a:lumOff val="50000"/>
+                  </a:schemeClr>
+                </a:solidFill>
+              </a:rPr>
               <a:t>- Something</a:t>
             </a:r>
             <a:br>
-              <a:rPr lang="da-DK" dirty="0" smtClean="0"/>
+              <a:rPr lang="da-DK" sz="1800" dirty="0" smtClean="0">
+                <a:solidFill>
+                  <a:schemeClr val="tx1">
+                    <a:lumMod val="50000"/>
+                    <a:lumOff val="50000"/>
+                  </a:schemeClr>
+                </a:solidFill>
+              </a:rPr>
             </a:br>
             <a:r>
-              <a:rPr lang="da-DK" dirty="0" smtClean="0"/>
+              <a:rPr lang="da-DK" sz="1800" dirty="0" smtClean="0">
+                <a:solidFill>
+                  <a:schemeClr val="tx1">
+                    <a:lumMod val="50000"/>
+                    <a:lumOff val="50000"/>
+                  </a:schemeClr>
+                </a:solidFill>
+              </a:rPr>
+              <a:t>- </a:t>
+            </a:r>
+            <a:r>
+              <a:rPr lang="da-DK" sz="1800" dirty="0" smtClean="0">
+                <a:solidFill>
+                  <a:schemeClr val="tx1">
+                    <a:lumMod val="50000"/>
+                    <a:lumOff val="50000"/>
+                  </a:schemeClr>
+                </a:solidFill>
+              </a:rPr>
+              <a:t>Something</a:t>
+            </a:r>
+            <a:r>
+              <a:rPr lang="en-US" sz="1800" dirty="0">
+                <a:solidFill>
+                  <a:schemeClr val="tx1">
+                    <a:lumMod val="50000"/>
+                    <a:lumOff val="50000"/>
+                  </a:schemeClr>
+                </a:solidFill>
+              </a:rPr>
+              <a:t/>
+            </a:r>
+            <a:br>
+              <a:rPr lang="en-US" sz="1800" dirty="0">
+                <a:solidFill>
+                  <a:schemeClr val="tx1">
+                    <a:lumMod val="50000"/>
+                    <a:lumOff val="50000"/>
+                  </a:schemeClr>
+                </a:solidFill>
+              </a:rPr>
+            </a:br>
+            <a:r>
+              <a:rPr lang="en-US" sz="1800" dirty="0" smtClean="0">
+                <a:solidFill>
+                  <a:schemeClr val="tx1">
+                    <a:lumMod val="50000"/>
+                    <a:lumOff val="50000"/>
+                  </a:schemeClr>
+                </a:solidFill>
+              </a:rPr>
               <a:t>- Something</a:t>
             </a:r>
-            <a:endParaRPr lang="en-US" dirty="0" smtClean="0"/>
+            <a:br>
+              <a:rPr lang="en-US" sz="1800" dirty="0" smtClean="0">
+                <a:solidFill>
+                  <a:schemeClr val="tx1">
+                    <a:lumMod val="50000"/>
+                    <a:lumOff val="50000"/>
+                  </a:schemeClr>
+                </a:solidFill>
+              </a:rPr>
+            </a:br>
+            <a:r>
+              <a:rPr lang="en-US" sz="1800" dirty="0" smtClean="0">
+                <a:solidFill>
+                  <a:schemeClr val="tx1">
+                    <a:lumMod val="50000"/>
+                    <a:lumOff val="50000"/>
+                  </a:schemeClr>
+                </a:solidFill>
+              </a:rPr>
+              <a:t>- Something</a:t>
+            </a:r>
+            <a:endParaRPr lang="da-DK" sz="1800" dirty="0" smtClean="0">
+              <a:solidFill>
+                <a:schemeClr val="tx1">
+                  <a:lumMod val="50000"/>
+                  <a:lumOff val="50000"/>
+                </a:schemeClr>
+              </a:solidFill>
+            </a:endParaRPr>
           </a:p>
         </p:txBody>
       </p:sp>
@@ -3857,6 +4119,1262 @@
     <p:extLst>
       <p:ext uri="{BB962C8B-B14F-4D97-AF65-F5344CB8AC3E}">
         <p14:creationId xmlns:p14="http://schemas.microsoft.com/office/powerpoint/2010/main" val="1002973743"/>
+      </p:ext>
+    </p:extLst>
+  </p:cSld>
+  <p:clrMapOvr>
+    <a:masterClrMapping/>
+  </p:clrMapOvr>
+  <p:timing>
+    <p:tnLst>
+      <p:par>
+        <p:cTn id="1" dur="indefinite" restart="never" nodeType="tmRoot"/>
+      </p:par>
+    </p:tnLst>
+  </p:timing>
+</p:sld>
+</file>
+
+<file path=ppt/slides/slide3.xml><?xml version="1.0" encoding="utf-8"?>
+<p:sld xmlns:a="http://schemas.openxmlformats.org/drawingml/2006/main" xmlns:r="http://schemas.openxmlformats.org/officeDocument/2006/relationships" xmlns:p="http://schemas.openxmlformats.org/presentationml/2006/main">
+  <p:cSld>
+    <p:spTree>
+      <p:nvGrpSpPr>
+        <p:cNvPr id="1" name=""/>
+        <p:cNvGrpSpPr/>
+        <p:nvPr/>
+      </p:nvGrpSpPr>
+      <p:grpSpPr>
+        <a:xfrm>
+          <a:off x="0" y="0"/>
+          <a:ext cx="0" cy="0"/>
+          <a:chOff x="0" y="0"/>
+          <a:chExt cx="0" cy="0"/>
+        </a:xfrm>
+      </p:grpSpPr>
+      <p:pic>
+        <p:nvPicPr>
+          <p:cNvPr id="9" name="Picture 8"/>
+          <p:cNvPicPr>
+            <a:picLocks noChangeAspect="1"/>
+          </p:cNvPicPr>
+          <p:nvPr/>
+        </p:nvPicPr>
+        <p:blipFill>
+          <a:blip r:embed="rId2" cstate="print">
+            <a:extLst>
+              <a:ext uri="{28A0092B-C50C-407E-A947-70E740481C1C}">
+                <a14:useLocalDpi xmlns:a14="http://schemas.microsoft.com/office/drawing/2010/main" val="0"/>
+              </a:ext>
+            </a:extLst>
+          </a:blip>
+          <a:stretch>
+            <a:fillRect/>
+          </a:stretch>
+        </p:blipFill>
+        <p:spPr>
+          <a:xfrm>
+            <a:off x="1679454" y="6180991"/>
+            <a:ext cx="354336" cy="360485"/>
+          </a:xfrm>
+          <a:prstGeom prst="rect">
+            <a:avLst/>
+          </a:prstGeom>
+        </p:spPr>
+      </p:pic>
+      <p:pic>
+        <p:nvPicPr>
+          <p:cNvPr id="10" name="Picture 9"/>
+          <p:cNvPicPr>
+            <a:picLocks noChangeAspect="1"/>
+          </p:cNvPicPr>
+          <p:nvPr/>
+        </p:nvPicPr>
+        <p:blipFill>
+          <a:blip r:embed="rId3" cstate="print">
+            <a:extLst>
+              <a:ext uri="{28A0092B-C50C-407E-A947-70E740481C1C}">
+                <a14:useLocalDpi xmlns:a14="http://schemas.microsoft.com/office/drawing/2010/main" val="0"/>
+              </a:ext>
+            </a:extLst>
+          </a:blip>
+          <a:stretch>
+            <a:fillRect/>
+          </a:stretch>
+        </p:blipFill>
+        <p:spPr>
+          <a:xfrm>
+            <a:off x="1289978" y="6172200"/>
+            <a:ext cx="920942" cy="652636"/>
+          </a:xfrm>
+          <a:prstGeom prst="rect">
+            <a:avLst/>
+          </a:prstGeom>
+        </p:spPr>
+      </p:pic>
+      <p:sp>
+        <p:nvSpPr>
+          <p:cNvPr id="5" name="Rectangle 4"/>
+          <p:cNvSpPr/>
+          <p:nvPr/>
+        </p:nvSpPr>
+        <p:spPr>
+          <a:xfrm>
+            <a:off x="219808" y="6523892"/>
+            <a:ext cx="2277207" cy="96716"/>
+          </a:xfrm>
+          <a:prstGeom prst="rect">
+            <a:avLst/>
+          </a:prstGeom>
+          <a:solidFill>
+            <a:srgbClr val="00B0F0"/>
+          </a:solidFill>
+          <a:ln>
+            <a:solidFill>
+              <a:schemeClr val="bg1">
+                <a:lumMod val="65000"/>
+              </a:schemeClr>
+            </a:solidFill>
+          </a:ln>
+        </p:spPr>
+        <p:style>
+          <a:lnRef idx="2">
+            <a:schemeClr val="accent1">
+              <a:shade val="50000"/>
+            </a:schemeClr>
+          </a:lnRef>
+          <a:fillRef idx="1">
+            <a:schemeClr val="accent1"/>
+          </a:fillRef>
+          <a:effectRef idx="0">
+            <a:schemeClr val="accent1"/>
+          </a:effectRef>
+          <a:fontRef idx="minor">
+            <a:schemeClr val="lt1"/>
+          </a:fontRef>
+        </p:style>
+        <p:txBody>
+          <a:bodyPr rtlCol="0" anchor="ctr"/>
+          <a:lstStyle/>
+          <a:p>
+            <a:pPr algn="ctr"/>
+            <a:endParaRPr lang="da-DK"/>
+          </a:p>
+        </p:txBody>
+      </p:sp>
+      <p:pic>
+        <p:nvPicPr>
+          <p:cNvPr id="37" name="Picture 36"/>
+          <p:cNvPicPr>
+            <a:picLocks noChangeAspect="1"/>
+          </p:cNvPicPr>
+          <p:nvPr/>
+        </p:nvPicPr>
+        <p:blipFill>
+          <a:blip r:embed="rId4" cstate="print">
+            <a:extLst>
+              <a:ext uri="{28A0092B-C50C-407E-A947-70E740481C1C}">
+                <a14:useLocalDpi xmlns:a14="http://schemas.microsoft.com/office/drawing/2010/main" val="0"/>
+              </a:ext>
+            </a:extLst>
+          </a:blip>
+          <a:stretch>
+            <a:fillRect/>
+          </a:stretch>
+        </p:blipFill>
+        <p:spPr>
+          <a:xfrm rot="15820741">
+            <a:off x="11446709" y="6174290"/>
+            <a:ext cx="702136" cy="351068"/>
+          </a:xfrm>
+          <a:prstGeom prst="rect">
+            <a:avLst/>
+          </a:prstGeom>
+        </p:spPr>
+      </p:pic>
+      <p:pic>
+        <p:nvPicPr>
+          <p:cNvPr id="11" name="Picture 10"/>
+          <p:cNvPicPr>
+            <a:picLocks noChangeAspect="1"/>
+          </p:cNvPicPr>
+          <p:nvPr/>
+        </p:nvPicPr>
+        <p:blipFill>
+          <a:blip r:embed="rId4" cstate="print">
+            <a:extLst>
+              <a:ext uri="{28A0092B-C50C-407E-A947-70E740481C1C}">
+                <a14:useLocalDpi xmlns:a14="http://schemas.microsoft.com/office/drawing/2010/main" val="0"/>
+              </a:ext>
+            </a:extLst>
+          </a:blip>
+          <a:stretch>
+            <a:fillRect/>
+          </a:stretch>
+        </p:blipFill>
+        <p:spPr>
+          <a:xfrm>
+            <a:off x="10941885" y="6269540"/>
+            <a:ext cx="702136" cy="351068"/>
+          </a:xfrm>
+          <a:prstGeom prst="rect">
+            <a:avLst/>
+          </a:prstGeom>
+        </p:spPr>
+      </p:pic>
+      <p:pic>
+        <p:nvPicPr>
+          <p:cNvPr id="12" name="Picture 11"/>
+          <p:cNvPicPr>
+            <a:picLocks noChangeAspect="1"/>
+          </p:cNvPicPr>
+          <p:nvPr/>
+        </p:nvPicPr>
+        <p:blipFill>
+          <a:blip r:embed="rId5" cstate="print">
+            <a:extLst>
+              <a:ext uri="{28A0092B-C50C-407E-A947-70E740481C1C}">
+                <a14:useLocalDpi xmlns:a14="http://schemas.microsoft.com/office/drawing/2010/main" val="0"/>
+              </a:ext>
+            </a:extLst>
+          </a:blip>
+          <a:stretch>
+            <a:fillRect/>
+          </a:stretch>
+        </p:blipFill>
+        <p:spPr>
+          <a:xfrm flipV="1">
+            <a:off x="10726991" y="6344653"/>
+            <a:ext cx="583058" cy="291529"/>
+          </a:xfrm>
+          <a:prstGeom prst="rect">
+            <a:avLst/>
+          </a:prstGeom>
+        </p:spPr>
+      </p:pic>
+      <p:pic>
+        <p:nvPicPr>
+          <p:cNvPr id="36" name="Picture 35"/>
+          <p:cNvPicPr>
+            <a:picLocks noChangeAspect="1"/>
+          </p:cNvPicPr>
+          <p:nvPr/>
+        </p:nvPicPr>
+        <p:blipFill>
+          <a:blip r:embed="rId5" cstate="print">
+            <a:extLst>
+              <a:ext uri="{28A0092B-C50C-407E-A947-70E740481C1C}">
+                <a14:useLocalDpi xmlns:a14="http://schemas.microsoft.com/office/drawing/2010/main" val="0"/>
+              </a:ext>
+            </a:extLst>
+          </a:blip>
+          <a:stretch>
+            <a:fillRect/>
+          </a:stretch>
+        </p:blipFill>
+        <p:spPr>
+          <a:xfrm rot="9931799" flipV="1">
+            <a:off x="9685128" y="6335127"/>
+            <a:ext cx="583058" cy="291529"/>
+          </a:xfrm>
+          <a:prstGeom prst="rect">
+            <a:avLst/>
+          </a:prstGeom>
+        </p:spPr>
+      </p:pic>
+      <p:sp>
+        <p:nvSpPr>
+          <p:cNvPr id="6" name="Rectangle 5"/>
+          <p:cNvSpPr/>
+          <p:nvPr/>
+        </p:nvSpPr>
+        <p:spPr>
+          <a:xfrm>
+            <a:off x="9566031" y="6523892"/>
+            <a:ext cx="2400300" cy="96716"/>
+          </a:xfrm>
+          <a:prstGeom prst="rect">
+            <a:avLst/>
+          </a:prstGeom>
+          <a:solidFill>
+            <a:schemeClr val="accent2"/>
+          </a:solidFill>
+          <a:ln>
+            <a:solidFill>
+              <a:schemeClr val="bg1">
+                <a:lumMod val="50000"/>
+              </a:schemeClr>
+            </a:solidFill>
+          </a:ln>
+        </p:spPr>
+        <p:style>
+          <a:lnRef idx="2">
+            <a:schemeClr val="accent1">
+              <a:shade val="50000"/>
+            </a:schemeClr>
+          </a:lnRef>
+          <a:fillRef idx="1">
+            <a:schemeClr val="accent1"/>
+          </a:fillRef>
+          <a:effectRef idx="0">
+            <a:schemeClr val="accent1"/>
+          </a:effectRef>
+          <a:fontRef idx="minor">
+            <a:schemeClr val="lt1"/>
+          </a:fontRef>
+        </p:style>
+        <p:txBody>
+          <a:bodyPr rtlCol="0" anchor="ctr"/>
+          <a:lstStyle/>
+          <a:p>
+            <a:pPr algn="ctr"/>
+            <a:endParaRPr lang="da-DK"/>
+          </a:p>
+        </p:txBody>
+      </p:sp>
+      <p:pic>
+        <p:nvPicPr>
+          <p:cNvPr id="23" name="Picture 22"/>
+          <p:cNvPicPr>
+            <a:picLocks noChangeAspect="1"/>
+          </p:cNvPicPr>
+          <p:nvPr/>
+        </p:nvPicPr>
+        <p:blipFill>
+          <a:blip r:embed="rId6" cstate="print">
+            <a:extLst>
+              <a:ext uri="{28A0092B-C50C-407E-A947-70E740481C1C}">
+                <a14:useLocalDpi xmlns:a14="http://schemas.microsoft.com/office/drawing/2010/main" val="0"/>
+              </a:ext>
+            </a:extLst>
+          </a:blip>
+          <a:stretch>
+            <a:fillRect/>
+          </a:stretch>
+        </p:blipFill>
+        <p:spPr>
+          <a:xfrm rot="12576965">
+            <a:off x="7548516" y="1520850"/>
+            <a:ext cx="1217413" cy="1217413"/>
+          </a:xfrm>
+          <a:prstGeom prst="rect">
+            <a:avLst/>
+          </a:prstGeom>
+        </p:spPr>
+      </p:pic>
+      <p:pic>
+        <p:nvPicPr>
+          <p:cNvPr id="21" name="Picture 20"/>
+          <p:cNvPicPr>
+            <a:picLocks noChangeAspect="1"/>
+          </p:cNvPicPr>
+          <p:nvPr/>
+        </p:nvPicPr>
+        <p:blipFill>
+          <a:blip r:embed="rId7">
+            <a:extLst>
+              <a:ext uri="{28A0092B-C50C-407E-A947-70E740481C1C}">
+                <a14:useLocalDpi xmlns:a14="http://schemas.microsoft.com/office/drawing/2010/main" val="0"/>
+              </a:ext>
+            </a:extLst>
+          </a:blip>
+          <a:stretch>
+            <a:fillRect/>
+          </a:stretch>
+        </p:blipFill>
+        <p:spPr>
+          <a:xfrm rot="695504">
+            <a:off x="3641989" y="415384"/>
+            <a:ext cx="1947020" cy="1947020"/>
+          </a:xfrm>
+          <a:prstGeom prst="rect">
+            <a:avLst/>
+          </a:prstGeom>
+        </p:spPr>
+      </p:pic>
+      <p:pic>
+        <p:nvPicPr>
+          <p:cNvPr id="20" name="Picture 19"/>
+          <p:cNvPicPr>
+            <a:picLocks noChangeAspect="1"/>
+          </p:cNvPicPr>
+          <p:nvPr/>
+        </p:nvPicPr>
+        <p:blipFill>
+          <a:blip r:embed="rId7">
+            <a:extLst>
+              <a:ext uri="{28A0092B-C50C-407E-A947-70E740481C1C}">
+                <a14:useLocalDpi xmlns:a14="http://schemas.microsoft.com/office/drawing/2010/main" val="0"/>
+              </a:ext>
+            </a:extLst>
+          </a:blip>
+          <a:stretch>
+            <a:fillRect/>
+          </a:stretch>
+        </p:blipFill>
+        <p:spPr>
+          <a:xfrm rot="695504">
+            <a:off x="343867" y="-407872"/>
+            <a:ext cx="3964361" cy="3964361"/>
+          </a:xfrm>
+          <a:prstGeom prst="rect">
+            <a:avLst/>
+          </a:prstGeom>
+        </p:spPr>
+      </p:pic>
+      <p:pic>
+        <p:nvPicPr>
+          <p:cNvPr id="22" name="Picture 21"/>
+          <p:cNvPicPr>
+            <a:picLocks noChangeAspect="1"/>
+          </p:cNvPicPr>
+          <p:nvPr/>
+        </p:nvPicPr>
+        <p:blipFill>
+          <a:blip r:embed="rId7">
+            <a:extLst>
+              <a:ext uri="{28A0092B-C50C-407E-A947-70E740481C1C}">
+                <a14:useLocalDpi xmlns:a14="http://schemas.microsoft.com/office/drawing/2010/main" val="0"/>
+              </a:ext>
+            </a:extLst>
+          </a:blip>
+          <a:stretch>
+            <a:fillRect/>
+          </a:stretch>
+        </p:blipFill>
+        <p:spPr>
+          <a:xfrm rot="695504">
+            <a:off x="6022635" y="1447820"/>
+            <a:ext cx="2339056" cy="2339056"/>
+          </a:xfrm>
+          <a:prstGeom prst="rect">
+            <a:avLst/>
+          </a:prstGeom>
+        </p:spPr>
+      </p:pic>
+      <p:sp>
+        <p:nvSpPr>
+          <p:cNvPr id="2" name="Title 1"/>
+          <p:cNvSpPr>
+            <a:spLocks noGrp="1"/>
+          </p:cNvSpPr>
+          <p:nvPr>
+            <p:ph type="title"/>
+          </p:nvPr>
+        </p:nvSpPr>
+        <p:spPr>
+          <a:xfrm rot="168011">
+            <a:off x="1116625" y="945572"/>
+            <a:ext cx="9875520" cy="1356360"/>
+          </a:xfrm>
+        </p:spPr>
+        <p:txBody>
+          <a:bodyPr/>
+          <a:lstStyle/>
+          <a:p>
+            <a:r>
+              <a:rPr lang="en-US" b="1" dirty="0" smtClean="0">
+                <a:solidFill>
+                  <a:schemeClr val="tx1">
+                    <a:lumMod val="65000"/>
+                    <a:lumOff val="35000"/>
+                  </a:schemeClr>
+                </a:solidFill>
+              </a:rPr>
+              <a:t>Teamwork</a:t>
+            </a:r>
+            <a:endParaRPr lang="da-DK" b="1" dirty="0">
+              <a:solidFill>
+                <a:schemeClr val="tx1">
+                  <a:lumMod val="65000"/>
+                  <a:lumOff val="35000"/>
+                </a:schemeClr>
+              </a:solidFill>
+            </a:endParaRPr>
+          </a:p>
+        </p:txBody>
+      </p:sp>
+      <p:sp>
+        <p:nvSpPr>
+          <p:cNvPr id="4" name="Isosceles Triangle 3"/>
+          <p:cNvSpPr/>
+          <p:nvPr/>
+        </p:nvSpPr>
+        <p:spPr>
+          <a:xfrm>
+            <a:off x="2426677" y="2057399"/>
+            <a:ext cx="7218485" cy="4563209"/>
+          </a:xfrm>
+          <a:prstGeom prst="triangle">
+            <a:avLst>
+              <a:gd name="adj" fmla="val 50864"/>
+            </a:avLst>
+          </a:prstGeom>
+        </p:spPr>
+        <p:style>
+          <a:lnRef idx="2">
+            <a:schemeClr val="accent1">
+              <a:shade val="50000"/>
+            </a:schemeClr>
+          </a:lnRef>
+          <a:fillRef idx="1">
+            <a:schemeClr val="accent1"/>
+          </a:fillRef>
+          <a:effectRef idx="0">
+            <a:schemeClr val="accent1"/>
+          </a:effectRef>
+          <a:fontRef idx="minor">
+            <a:schemeClr val="lt1"/>
+          </a:fontRef>
+        </p:style>
+        <p:txBody>
+          <a:bodyPr rtlCol="0" anchor="ctr"/>
+          <a:lstStyle/>
+          <a:p>
+            <a:pPr algn="ctr"/>
+            <a:endParaRPr lang="da-DK"/>
+          </a:p>
+        </p:txBody>
+      </p:sp>
+      <p:sp>
+        <p:nvSpPr>
+          <p:cNvPr id="7" name="TextBox 6"/>
+          <p:cNvSpPr txBox="1"/>
+          <p:nvPr/>
+        </p:nvSpPr>
+        <p:spPr>
+          <a:xfrm rot="18548629">
+            <a:off x="2285999" y="4422502"/>
+            <a:ext cx="3024554" cy="369332"/>
+          </a:xfrm>
+          <a:prstGeom prst="rect">
+            <a:avLst/>
+          </a:prstGeom>
+          <a:noFill/>
+        </p:spPr>
+        <p:txBody>
+          <a:bodyPr wrap="square" rtlCol="0">
+            <a:spAutoFit/>
+          </a:bodyPr>
+          <a:lstStyle/>
+          <a:p>
+            <a:r>
+              <a:rPr lang="en-US" b="1" dirty="0" smtClean="0">
+                <a:latin typeface="Arial Narrow" panose="020B0606020202030204" pitchFamily="34" charset="0"/>
+              </a:rPr>
+              <a:t>Issues (</a:t>
+            </a:r>
+            <a:r>
+              <a:rPr lang="en-US" b="1" noProof="1" smtClean="0">
+                <a:latin typeface="Arial Narrow" panose="020B0606020202030204" pitchFamily="34" charset="0"/>
+              </a:rPr>
+              <a:t>Github</a:t>
+            </a:r>
+            <a:r>
+              <a:rPr lang="en-US" b="1" dirty="0" smtClean="0">
+                <a:latin typeface="Arial Narrow" panose="020B0606020202030204" pitchFamily="34" charset="0"/>
+              </a:rPr>
+              <a:t>)</a:t>
+            </a:r>
+            <a:endParaRPr lang="da-DK" b="1" dirty="0">
+              <a:latin typeface="Arial Narrow" panose="020B0606020202030204" pitchFamily="34" charset="0"/>
+            </a:endParaRPr>
+          </a:p>
+        </p:txBody>
+      </p:sp>
+      <p:sp>
+        <p:nvSpPr>
+          <p:cNvPr id="8" name="TextBox 7"/>
+          <p:cNvSpPr txBox="1"/>
+          <p:nvPr/>
+        </p:nvSpPr>
+        <p:spPr>
+          <a:xfrm rot="3134905">
+            <a:off x="6762448" y="4396126"/>
+            <a:ext cx="3024554" cy="369332"/>
+          </a:xfrm>
+          <a:prstGeom prst="rect">
+            <a:avLst/>
+          </a:prstGeom>
+          <a:noFill/>
+        </p:spPr>
+        <p:txBody>
+          <a:bodyPr wrap="square" rtlCol="0">
+            <a:spAutoFit/>
+          </a:bodyPr>
+          <a:lstStyle/>
+          <a:p>
+            <a:r>
+              <a:rPr lang="en-US" b="1" dirty="0" smtClean="0">
+                <a:latin typeface="Arial Narrow" panose="020B0606020202030204" pitchFamily="34" charset="0"/>
+              </a:rPr>
+              <a:t>Contact</a:t>
+            </a:r>
+            <a:endParaRPr lang="da-DK" b="1" dirty="0">
+              <a:latin typeface="Arial Narrow" panose="020B0606020202030204" pitchFamily="34" charset="0"/>
+            </a:endParaRPr>
+          </a:p>
+        </p:txBody>
+      </p:sp>
+      <p:pic>
+        <p:nvPicPr>
+          <p:cNvPr id="13" name="Picture 12"/>
+          <p:cNvPicPr>
+            <a:picLocks noChangeAspect="1"/>
+          </p:cNvPicPr>
+          <p:nvPr/>
+        </p:nvPicPr>
+        <p:blipFill>
+          <a:blip r:embed="rId8" cstate="print">
+            <a:extLst>
+              <a:ext uri="{28A0092B-C50C-407E-A947-70E740481C1C}">
+                <a14:useLocalDpi xmlns:a14="http://schemas.microsoft.com/office/drawing/2010/main" val="0"/>
+              </a:ext>
+            </a:extLst>
+          </a:blip>
+          <a:stretch>
+            <a:fillRect/>
+          </a:stretch>
+        </p:blipFill>
+        <p:spPr>
+          <a:xfrm flipH="1">
+            <a:off x="11151663" y="6057170"/>
+            <a:ext cx="282579" cy="287483"/>
+          </a:xfrm>
+          <a:prstGeom prst="rect">
+            <a:avLst/>
+          </a:prstGeom>
+        </p:spPr>
+      </p:pic>
+      <p:pic>
+        <p:nvPicPr>
+          <p:cNvPr id="14" name="Picture 13"/>
+          <p:cNvPicPr>
+            <a:picLocks noChangeAspect="1"/>
+          </p:cNvPicPr>
+          <p:nvPr/>
+        </p:nvPicPr>
+        <p:blipFill>
+          <a:blip r:embed="rId9">
+            <a:extLst>
+              <a:ext uri="{28A0092B-C50C-407E-A947-70E740481C1C}">
+                <a14:useLocalDpi xmlns:a14="http://schemas.microsoft.com/office/drawing/2010/main" val="0"/>
+              </a:ext>
+            </a:extLst>
+          </a:blip>
+          <a:stretch>
+            <a:fillRect/>
+          </a:stretch>
+        </p:blipFill>
+        <p:spPr>
+          <a:xfrm>
+            <a:off x="148370" y="5011615"/>
+            <a:ext cx="1409376" cy="1732084"/>
+          </a:xfrm>
+          <a:prstGeom prst="rect">
+            <a:avLst/>
+          </a:prstGeom>
+        </p:spPr>
+      </p:pic>
+      <p:pic>
+        <p:nvPicPr>
+          <p:cNvPr id="19" name="Picture 18"/>
+          <p:cNvPicPr>
+            <a:picLocks noChangeAspect="1"/>
+          </p:cNvPicPr>
+          <p:nvPr/>
+        </p:nvPicPr>
+        <p:blipFill>
+          <a:blip r:embed="rId10">
+            <a:extLst>
+              <a:ext uri="{28A0092B-C50C-407E-A947-70E740481C1C}">
+                <a14:useLocalDpi xmlns:a14="http://schemas.microsoft.com/office/drawing/2010/main" val="0"/>
+              </a:ext>
+            </a:extLst>
+          </a:blip>
+          <a:stretch>
+            <a:fillRect/>
+          </a:stretch>
+        </p:blipFill>
+        <p:spPr>
+          <a:xfrm>
+            <a:off x="9561475" y="203272"/>
+            <a:ext cx="2409412" cy="2035370"/>
+          </a:xfrm>
+          <a:prstGeom prst="rect">
+            <a:avLst/>
+          </a:prstGeom>
+        </p:spPr>
+      </p:pic>
+    </p:spTree>
+    <p:extLst>
+      <p:ext uri="{BB962C8B-B14F-4D97-AF65-F5344CB8AC3E}">
+        <p14:creationId xmlns:p14="http://schemas.microsoft.com/office/powerpoint/2010/main" val="2738207475"/>
+      </p:ext>
+    </p:extLst>
+  </p:cSld>
+  <p:clrMapOvr>
+    <a:masterClrMapping/>
+  </p:clrMapOvr>
+  <p:timing>
+    <p:tnLst>
+      <p:par>
+        <p:cTn id="1" dur="indefinite" restart="never" nodeType="tmRoot"/>
+      </p:par>
+    </p:tnLst>
+  </p:timing>
+</p:sld>
+</file>
+
+<file path=ppt/slides/slide4.xml><?xml version="1.0" encoding="utf-8"?>
+<p:sld xmlns:a="http://schemas.openxmlformats.org/drawingml/2006/main" xmlns:r="http://schemas.openxmlformats.org/officeDocument/2006/relationships" xmlns:p="http://schemas.openxmlformats.org/presentationml/2006/main">
+  <p:cSld>
+    <p:spTree>
+      <p:nvGrpSpPr>
+        <p:cNvPr id="1" name=""/>
+        <p:cNvGrpSpPr/>
+        <p:nvPr/>
+      </p:nvGrpSpPr>
+      <p:grpSpPr>
+        <a:xfrm>
+          <a:off x="0" y="0"/>
+          <a:ext cx="0" cy="0"/>
+          <a:chOff x="0" y="0"/>
+          <a:chExt cx="0" cy="0"/>
+        </a:xfrm>
+      </p:grpSpPr>
+      <p:sp>
+        <p:nvSpPr>
+          <p:cNvPr id="4" name="Rectangle 3"/>
+          <p:cNvSpPr/>
+          <p:nvPr/>
+        </p:nvSpPr>
+        <p:spPr>
+          <a:xfrm>
+            <a:off x="238125" y="257176"/>
+            <a:ext cx="4314825" cy="6362700"/>
+          </a:xfrm>
+          <a:prstGeom prst="rect">
+            <a:avLst/>
+          </a:prstGeom>
+        </p:spPr>
+        <p:style>
+          <a:lnRef idx="2">
+            <a:schemeClr val="accent1">
+              <a:shade val="50000"/>
+            </a:schemeClr>
+          </a:lnRef>
+          <a:fillRef idx="1">
+            <a:schemeClr val="accent1"/>
+          </a:fillRef>
+          <a:effectRef idx="0">
+            <a:schemeClr val="accent1"/>
+          </a:effectRef>
+          <a:fontRef idx="minor">
+            <a:schemeClr val="lt1"/>
+          </a:fontRef>
+        </p:style>
+        <p:txBody>
+          <a:bodyPr rtlCol="0" anchor="ctr"/>
+          <a:lstStyle/>
+          <a:p>
+            <a:pPr algn="ctr"/>
+            <a:endParaRPr lang="da-DK" dirty="0"/>
+          </a:p>
+        </p:txBody>
+      </p:sp>
+      <p:sp>
+        <p:nvSpPr>
+          <p:cNvPr id="5" name="TextBox 4"/>
+          <p:cNvSpPr txBox="1"/>
+          <p:nvPr/>
+        </p:nvSpPr>
+        <p:spPr>
+          <a:xfrm>
+            <a:off x="998418" y="1524000"/>
+            <a:ext cx="2794237" cy="707886"/>
+          </a:xfrm>
+          <a:prstGeom prst="rect">
+            <a:avLst/>
+          </a:prstGeom>
+          <a:noFill/>
+        </p:spPr>
+        <p:txBody>
+          <a:bodyPr wrap="square" rtlCol="0">
+            <a:spAutoFit/>
+          </a:bodyPr>
+          <a:lstStyle/>
+          <a:p>
+            <a:r>
+              <a:rPr lang="en-US" sz="4000" b="1" dirty="0" smtClean="0">
+                <a:solidFill>
+                  <a:schemeClr val="tx1">
+                    <a:lumMod val="65000"/>
+                    <a:lumOff val="35000"/>
+                  </a:schemeClr>
+                </a:solidFill>
+              </a:rPr>
+              <a:t>Something</a:t>
+            </a:r>
+            <a:endParaRPr lang="da-DK" sz="4000" b="1" dirty="0">
+              <a:solidFill>
+                <a:schemeClr val="tx1">
+                  <a:lumMod val="65000"/>
+                  <a:lumOff val="35000"/>
+                </a:schemeClr>
+              </a:solidFill>
+            </a:endParaRPr>
+          </a:p>
+        </p:txBody>
+      </p:sp>
+      <p:sp>
+        <p:nvSpPr>
+          <p:cNvPr id="6" name="Rectangle 5"/>
+          <p:cNvSpPr/>
+          <p:nvPr/>
+        </p:nvSpPr>
+        <p:spPr>
+          <a:xfrm>
+            <a:off x="903168" y="2298561"/>
+            <a:ext cx="2794237" cy="45719"/>
+          </a:xfrm>
+          <a:prstGeom prst="rect">
+            <a:avLst/>
+          </a:prstGeom>
+          <a:solidFill>
+            <a:schemeClr val="tx1">
+              <a:lumMod val="65000"/>
+              <a:lumOff val="35000"/>
+            </a:schemeClr>
+          </a:solidFill>
+          <a:ln>
+            <a:solidFill>
+              <a:schemeClr val="tx1">
+                <a:lumMod val="65000"/>
+                <a:lumOff val="35000"/>
+              </a:schemeClr>
+            </a:solidFill>
+          </a:ln>
+        </p:spPr>
+        <p:style>
+          <a:lnRef idx="2">
+            <a:schemeClr val="accent1">
+              <a:shade val="50000"/>
+            </a:schemeClr>
+          </a:lnRef>
+          <a:fillRef idx="1">
+            <a:schemeClr val="accent1"/>
+          </a:fillRef>
+          <a:effectRef idx="0">
+            <a:schemeClr val="accent1"/>
+          </a:effectRef>
+          <a:fontRef idx="minor">
+            <a:schemeClr val="lt1"/>
+          </a:fontRef>
+        </p:style>
+        <p:txBody>
+          <a:bodyPr rtlCol="0" anchor="ctr"/>
+          <a:lstStyle/>
+          <a:p>
+            <a:pPr algn="ctr"/>
+            <a:endParaRPr lang="da-DK"/>
+          </a:p>
+        </p:txBody>
+      </p:sp>
+      <p:sp>
+        <p:nvSpPr>
+          <p:cNvPr id="8" name="TextBox 7"/>
+          <p:cNvSpPr txBox="1"/>
+          <p:nvPr/>
+        </p:nvSpPr>
+        <p:spPr>
+          <a:xfrm>
+            <a:off x="1553072" y="2743200"/>
+            <a:ext cx="2794237" cy="2677656"/>
+          </a:xfrm>
+          <a:prstGeom prst="rect">
+            <a:avLst/>
+          </a:prstGeom>
+          <a:noFill/>
+        </p:spPr>
+        <p:txBody>
+          <a:bodyPr wrap="square" rtlCol="0">
+            <a:spAutoFit/>
+          </a:bodyPr>
+          <a:lstStyle/>
+          <a:p>
+            <a:r>
+              <a:rPr lang="en-US" sz="2400" b="1" dirty="0" smtClean="0">
+                <a:solidFill>
+                  <a:schemeClr val="tx1">
+                    <a:lumMod val="65000"/>
+                    <a:lumOff val="35000"/>
+                  </a:schemeClr>
+                </a:solidFill>
+              </a:rPr>
+              <a:t>Text here</a:t>
+            </a:r>
+          </a:p>
+          <a:p>
+            <a:endParaRPr lang="en-US" sz="2400" b="1" dirty="0">
+              <a:solidFill>
+                <a:schemeClr val="tx1">
+                  <a:lumMod val="65000"/>
+                  <a:lumOff val="35000"/>
+                </a:schemeClr>
+              </a:solidFill>
+            </a:endParaRPr>
+          </a:p>
+          <a:p>
+            <a:r>
+              <a:rPr lang="en-US" sz="2400" b="1" dirty="0" smtClean="0">
+                <a:solidFill>
+                  <a:schemeClr val="tx1">
+                    <a:lumMod val="65000"/>
+                    <a:lumOff val="35000"/>
+                  </a:schemeClr>
+                </a:solidFill>
+              </a:rPr>
+              <a:t>Text here</a:t>
+            </a:r>
+            <a:br>
+              <a:rPr lang="en-US" sz="2400" b="1" dirty="0" smtClean="0">
+                <a:solidFill>
+                  <a:schemeClr val="tx1">
+                    <a:lumMod val="65000"/>
+                    <a:lumOff val="35000"/>
+                  </a:schemeClr>
+                </a:solidFill>
+              </a:rPr>
+            </a:br>
+            <a:r>
+              <a:rPr lang="en-US" sz="2400" b="1" dirty="0" smtClean="0">
+                <a:solidFill>
+                  <a:schemeClr val="tx1">
+                    <a:lumMod val="65000"/>
+                    <a:lumOff val="35000"/>
+                  </a:schemeClr>
+                </a:solidFill>
+              </a:rPr>
+              <a:t/>
+            </a:r>
+            <a:br>
+              <a:rPr lang="en-US" sz="2400" b="1" dirty="0" smtClean="0">
+                <a:solidFill>
+                  <a:schemeClr val="tx1">
+                    <a:lumMod val="65000"/>
+                    <a:lumOff val="35000"/>
+                  </a:schemeClr>
+                </a:solidFill>
+              </a:rPr>
+            </a:br>
+            <a:r>
+              <a:rPr lang="en-US" sz="2400" b="1" dirty="0">
+                <a:solidFill>
+                  <a:schemeClr val="tx1">
+                    <a:lumMod val="65000"/>
+                    <a:lumOff val="35000"/>
+                  </a:schemeClr>
+                </a:solidFill>
+              </a:rPr>
+              <a:t>Text </a:t>
+            </a:r>
+            <a:r>
+              <a:rPr lang="en-US" sz="2400" b="1" dirty="0" smtClean="0">
+                <a:solidFill>
+                  <a:schemeClr val="tx1">
+                    <a:lumMod val="65000"/>
+                    <a:lumOff val="35000"/>
+                  </a:schemeClr>
+                </a:solidFill>
+              </a:rPr>
+              <a:t>here</a:t>
+            </a:r>
+            <a:br>
+              <a:rPr lang="en-US" sz="2400" b="1" dirty="0" smtClean="0">
+                <a:solidFill>
+                  <a:schemeClr val="tx1">
+                    <a:lumMod val="65000"/>
+                    <a:lumOff val="35000"/>
+                  </a:schemeClr>
+                </a:solidFill>
+              </a:rPr>
+            </a:br>
+            <a:r>
+              <a:rPr lang="en-US" sz="2400" b="1" dirty="0" smtClean="0">
+                <a:solidFill>
+                  <a:schemeClr val="tx1">
+                    <a:lumMod val="65000"/>
+                    <a:lumOff val="35000"/>
+                  </a:schemeClr>
+                </a:solidFill>
+              </a:rPr>
+              <a:t/>
+            </a:r>
+            <a:br>
+              <a:rPr lang="en-US" sz="2400" b="1" dirty="0" smtClean="0">
+                <a:solidFill>
+                  <a:schemeClr val="tx1">
+                    <a:lumMod val="65000"/>
+                    <a:lumOff val="35000"/>
+                  </a:schemeClr>
+                </a:solidFill>
+              </a:rPr>
+            </a:br>
+            <a:r>
+              <a:rPr lang="en-US" sz="2400" b="1" dirty="0">
+                <a:solidFill>
+                  <a:schemeClr val="tx1">
+                    <a:lumMod val="65000"/>
+                    <a:lumOff val="35000"/>
+                  </a:schemeClr>
+                </a:solidFill>
+              </a:rPr>
+              <a:t>Text here</a:t>
+            </a:r>
+            <a:endParaRPr lang="da-DK" sz="2400" b="1" dirty="0">
+              <a:solidFill>
+                <a:schemeClr val="tx1">
+                  <a:lumMod val="65000"/>
+                  <a:lumOff val="35000"/>
+                </a:schemeClr>
+              </a:solidFill>
+            </a:endParaRPr>
+          </a:p>
+        </p:txBody>
+      </p:sp>
+      <p:pic>
+        <p:nvPicPr>
+          <p:cNvPr id="17" name="Picture 16"/>
+          <p:cNvPicPr>
+            <a:picLocks noChangeAspect="1"/>
+          </p:cNvPicPr>
+          <p:nvPr/>
+        </p:nvPicPr>
+        <p:blipFill>
+          <a:blip r:embed="rId2">
+            <a:extLst>
+              <a:ext uri="{28A0092B-C50C-407E-A947-70E740481C1C}">
+                <a14:useLocalDpi xmlns:a14="http://schemas.microsoft.com/office/drawing/2010/main" val="0"/>
+              </a:ext>
+            </a:extLst>
+          </a:blip>
+          <a:stretch>
+            <a:fillRect/>
+          </a:stretch>
+        </p:blipFill>
+        <p:spPr>
+          <a:xfrm>
+            <a:off x="8048624" y="247650"/>
+            <a:ext cx="2076450" cy="2076450"/>
+          </a:xfrm>
+          <a:prstGeom prst="rect">
+            <a:avLst/>
+          </a:prstGeom>
+        </p:spPr>
+      </p:pic>
+      <p:pic>
+        <p:nvPicPr>
+          <p:cNvPr id="12" name="Picture 11"/>
+          <p:cNvPicPr>
+            <a:picLocks noChangeAspect="1"/>
+          </p:cNvPicPr>
+          <p:nvPr/>
+        </p:nvPicPr>
+        <p:blipFill>
+          <a:blip r:embed="rId3">
+            <a:extLst>
+              <a:ext uri="{28A0092B-C50C-407E-A947-70E740481C1C}">
+                <a14:useLocalDpi xmlns:a14="http://schemas.microsoft.com/office/drawing/2010/main" val="0"/>
+              </a:ext>
+            </a:extLst>
+          </a:blip>
+          <a:stretch>
+            <a:fillRect/>
+          </a:stretch>
+        </p:blipFill>
+        <p:spPr>
+          <a:xfrm>
+            <a:off x="4469748" y="257176"/>
+            <a:ext cx="2133097" cy="1801951"/>
+          </a:xfrm>
+          <a:prstGeom prst="rect">
+            <a:avLst/>
+          </a:prstGeom>
+        </p:spPr>
+      </p:pic>
+      <p:pic>
+        <p:nvPicPr>
+          <p:cNvPr id="13" name="Picture 12"/>
+          <p:cNvPicPr>
+            <a:picLocks noChangeAspect="1"/>
+          </p:cNvPicPr>
+          <p:nvPr/>
+        </p:nvPicPr>
+        <p:blipFill>
+          <a:blip r:embed="rId4">
+            <a:extLst>
+              <a:ext uri="{28A0092B-C50C-407E-A947-70E740481C1C}">
+                <a14:useLocalDpi xmlns:a14="http://schemas.microsoft.com/office/drawing/2010/main" val="0"/>
+              </a:ext>
+            </a:extLst>
+          </a:blip>
+          <a:stretch>
+            <a:fillRect/>
+          </a:stretch>
+        </p:blipFill>
+        <p:spPr>
+          <a:xfrm>
+            <a:off x="7810500" y="1999897"/>
+            <a:ext cx="4286249" cy="5267680"/>
+          </a:xfrm>
+          <a:prstGeom prst="rect">
+            <a:avLst/>
+          </a:prstGeom>
+        </p:spPr>
+      </p:pic>
+      <p:pic>
+        <p:nvPicPr>
+          <p:cNvPr id="16" name="Picture 15"/>
+          <p:cNvPicPr>
+            <a:picLocks noChangeAspect="1"/>
+          </p:cNvPicPr>
+          <p:nvPr/>
+        </p:nvPicPr>
+        <p:blipFill>
+          <a:blip r:embed="rId2">
+            <a:extLst>
+              <a:ext uri="{28A0092B-C50C-407E-A947-70E740481C1C}">
+                <a14:useLocalDpi xmlns:a14="http://schemas.microsoft.com/office/drawing/2010/main" val="0"/>
+              </a:ext>
+            </a:extLst>
+          </a:blip>
+          <a:stretch>
+            <a:fillRect/>
+          </a:stretch>
+        </p:blipFill>
+        <p:spPr>
+          <a:xfrm>
+            <a:off x="8648700" y="352424"/>
+            <a:ext cx="2733675" cy="2733675"/>
+          </a:xfrm>
+          <a:prstGeom prst="rect">
+            <a:avLst/>
+          </a:prstGeom>
+        </p:spPr>
+      </p:pic>
+      <p:sp>
+        <p:nvSpPr>
+          <p:cNvPr id="14" name="Rectangle 13"/>
+          <p:cNvSpPr/>
+          <p:nvPr/>
+        </p:nvSpPr>
+        <p:spPr>
+          <a:xfrm>
+            <a:off x="4572000" y="6457361"/>
+            <a:ext cx="7372350" cy="162515"/>
+          </a:xfrm>
+          <a:prstGeom prst="rect">
+            <a:avLst/>
+          </a:prstGeom>
+          <a:solidFill>
+            <a:srgbClr val="00B0F0"/>
+          </a:solidFill>
+          <a:ln>
+            <a:solidFill>
+              <a:srgbClr val="00AAE6"/>
+            </a:solidFill>
+          </a:ln>
+        </p:spPr>
+        <p:style>
+          <a:lnRef idx="2">
+            <a:schemeClr val="accent1">
+              <a:shade val="50000"/>
+            </a:schemeClr>
+          </a:lnRef>
+          <a:fillRef idx="1">
+            <a:schemeClr val="accent1"/>
+          </a:fillRef>
+          <a:effectRef idx="0">
+            <a:schemeClr val="accent1"/>
+          </a:effectRef>
+          <a:fontRef idx="minor">
+            <a:schemeClr val="lt1"/>
+          </a:fontRef>
+        </p:style>
+        <p:txBody>
+          <a:bodyPr rtlCol="0" anchor="ctr"/>
+          <a:lstStyle/>
+          <a:p>
+            <a:pPr algn="ctr"/>
+            <a:endParaRPr lang="da-DK"/>
+          </a:p>
+        </p:txBody>
+      </p:sp>
+      <p:pic>
+        <p:nvPicPr>
+          <p:cNvPr id="15" name="Picture 14"/>
+          <p:cNvPicPr>
+            <a:picLocks noChangeAspect="1"/>
+          </p:cNvPicPr>
+          <p:nvPr/>
+        </p:nvPicPr>
+        <p:blipFill>
+          <a:blip r:embed="rId5" cstate="print">
+            <a:extLst>
+              <a:ext uri="{28A0092B-C50C-407E-A947-70E740481C1C}">
+                <a14:useLocalDpi xmlns:a14="http://schemas.microsoft.com/office/drawing/2010/main" val="0"/>
+              </a:ext>
+            </a:extLst>
+          </a:blip>
+          <a:stretch>
+            <a:fillRect/>
+          </a:stretch>
+        </p:blipFill>
+        <p:spPr>
+          <a:xfrm rot="21078224">
+            <a:off x="8710613" y="5934074"/>
+            <a:ext cx="482170" cy="490537"/>
+          </a:xfrm>
+          <a:prstGeom prst="rect">
+            <a:avLst/>
+          </a:prstGeom>
+        </p:spPr>
+      </p:pic>
+      <p:pic>
+        <p:nvPicPr>
+          <p:cNvPr id="18" name="Picture 17"/>
+          <p:cNvPicPr>
+            <a:picLocks noChangeAspect="1"/>
+          </p:cNvPicPr>
+          <p:nvPr/>
+        </p:nvPicPr>
+        <p:blipFill>
+          <a:blip r:embed="rId2">
+            <a:extLst>
+              <a:ext uri="{28A0092B-C50C-407E-A947-70E740481C1C}">
+                <a14:useLocalDpi xmlns:a14="http://schemas.microsoft.com/office/drawing/2010/main" val="0"/>
+              </a:ext>
+            </a:extLst>
+          </a:blip>
+          <a:stretch>
+            <a:fillRect/>
+          </a:stretch>
+        </p:blipFill>
+        <p:spPr>
+          <a:xfrm rot="554793">
+            <a:off x="5393190" y="1523024"/>
+            <a:ext cx="1971674" cy="1971674"/>
+          </a:xfrm>
+          <a:prstGeom prst="rect">
+            <a:avLst/>
+          </a:prstGeom>
+        </p:spPr>
+      </p:pic>
+    </p:spTree>
+    <p:extLst>
+      <p:ext uri="{BB962C8B-B14F-4D97-AF65-F5344CB8AC3E}">
+        <p14:creationId xmlns:p14="http://schemas.microsoft.com/office/powerpoint/2010/main" val="2360635876"/>
       </p:ext>
     </p:extLst>
   </p:cSld>

--- a/PowerPoint/SP3.pptx
+++ b/PowerPoint/SP3.pptx
@@ -311,7 +311,7 @@
           <a:p>
             <a:fld id="{55CA1049-222E-4BC5-907F-12B9CAD684EA}" type="datetimeFigureOut">
               <a:rPr lang="da-DK" smtClean="0"/>
-              <a:t>08-04-2025</a:t>
+              <a:t>10-04-2025</a:t>
             </a:fld>
             <a:endParaRPr lang="da-DK"/>
           </a:p>
@@ -532,7 +532,7 @@
           <a:p>
             <a:fld id="{55CA1049-222E-4BC5-907F-12B9CAD684EA}" type="datetimeFigureOut">
               <a:rPr lang="da-DK" smtClean="0"/>
-              <a:t>08-04-2025</a:t>
+              <a:t>10-04-2025</a:t>
             </a:fld>
             <a:endParaRPr lang="da-DK"/>
           </a:p>
@@ -712,7 +712,7 @@
           <a:p>
             <a:fld id="{55CA1049-222E-4BC5-907F-12B9CAD684EA}" type="datetimeFigureOut">
               <a:rPr lang="da-DK" smtClean="0"/>
-              <a:t>08-04-2025</a:t>
+              <a:t>10-04-2025</a:t>
             </a:fld>
             <a:endParaRPr lang="da-DK"/>
           </a:p>
@@ -882,7 +882,7 @@
           <a:p>
             <a:fld id="{55CA1049-222E-4BC5-907F-12B9CAD684EA}" type="datetimeFigureOut">
               <a:rPr lang="da-DK" smtClean="0"/>
-              <a:t>08-04-2025</a:t>
+              <a:t>10-04-2025</a:t>
             </a:fld>
             <a:endParaRPr lang="da-DK"/>
           </a:p>
@@ -1133,7 +1133,7 @@
           <a:p>
             <a:fld id="{55CA1049-222E-4BC5-907F-12B9CAD684EA}" type="datetimeFigureOut">
               <a:rPr lang="da-DK" smtClean="0"/>
-              <a:t>08-04-2025</a:t>
+              <a:t>10-04-2025</a:t>
             </a:fld>
             <a:endParaRPr lang="da-DK"/>
           </a:p>
@@ -1456,7 +1456,7 @@
           <a:p>
             <a:fld id="{55CA1049-222E-4BC5-907F-12B9CAD684EA}" type="datetimeFigureOut">
               <a:rPr lang="da-DK" smtClean="0"/>
-              <a:t>08-04-2025</a:t>
+              <a:t>10-04-2025</a:t>
             </a:fld>
             <a:endParaRPr lang="da-DK"/>
           </a:p>
@@ -1880,7 +1880,7 @@
           <a:p>
             <a:fld id="{55CA1049-222E-4BC5-907F-12B9CAD684EA}" type="datetimeFigureOut">
               <a:rPr lang="da-DK" smtClean="0"/>
-              <a:t>08-04-2025</a:t>
+              <a:t>10-04-2025</a:t>
             </a:fld>
             <a:endParaRPr lang="da-DK"/>
           </a:p>
@@ -1998,7 +1998,7 @@
           <a:p>
             <a:fld id="{55CA1049-222E-4BC5-907F-12B9CAD684EA}" type="datetimeFigureOut">
               <a:rPr lang="da-DK" smtClean="0"/>
-              <a:t>08-04-2025</a:t>
+              <a:t>10-04-2025</a:t>
             </a:fld>
             <a:endParaRPr lang="da-DK"/>
           </a:p>
@@ -2093,7 +2093,7 @@
           <a:p>
             <a:fld id="{55CA1049-222E-4BC5-907F-12B9CAD684EA}" type="datetimeFigureOut">
               <a:rPr lang="da-DK" smtClean="0"/>
-              <a:t>08-04-2025</a:t>
+              <a:t>10-04-2025</a:t>
             </a:fld>
             <a:endParaRPr lang="da-DK"/>
           </a:p>
@@ -2383,7 +2383,7 @@
           <a:p>
             <a:fld id="{55CA1049-222E-4BC5-907F-12B9CAD684EA}" type="datetimeFigureOut">
               <a:rPr lang="da-DK" smtClean="0"/>
-              <a:t>08-04-2025</a:t>
+              <a:t>10-04-2025</a:t>
             </a:fld>
             <a:endParaRPr lang="da-DK"/>
           </a:p>
@@ -2655,7 +2655,7 @@
           <a:p>
             <a:fld id="{55CA1049-222E-4BC5-907F-12B9CAD684EA}" type="datetimeFigureOut">
               <a:rPr lang="da-DK" smtClean="0"/>
-              <a:t>08-04-2025</a:t>
+              <a:t>10-04-2025</a:t>
             </a:fld>
             <a:endParaRPr lang="da-DK"/>
           </a:p>
@@ -2909,7 +2909,7 @@
           <a:p>
             <a:fld id="{55CA1049-222E-4BC5-907F-12B9CAD684EA}" type="datetimeFigureOut">
               <a:rPr lang="da-DK" smtClean="0"/>
-              <a:t>08-04-2025</a:t>
+              <a:t>10-04-2025</a:t>
             </a:fld>
             <a:endParaRPr lang="da-DK"/>
           </a:p>
@@ -3519,19 +3519,7 @@
                 </a:solidFill>
                 <a:latin typeface="Arial Narrow" panose="020B0606020202030204" pitchFamily="34" charset="0"/>
               </a:rPr>
-              <a:t>, </a:t>
-            </a:r>
-            <a:r>
-              <a:rPr lang="en-US" sz="1600" b="1" dirty="0" smtClean="0">
-                <a:solidFill>
-                  <a:schemeClr val="tx1">
-                    <a:lumMod val="65000"/>
-                    <a:lumOff val="35000"/>
-                  </a:schemeClr>
-                </a:solidFill>
-                <a:latin typeface="Arial Narrow" panose="020B0606020202030204" pitchFamily="34" charset="0"/>
-              </a:rPr>
-              <a:t>Olivia, </a:t>
+              <a:t>, Olivia, </a:t>
             </a:r>
             <a:r>
               <a:rPr lang="en-US" sz="1600" b="1" dirty="0" err="1" smtClean="0">
@@ -3655,7 +3643,9 @@
         </p:nvSpPr>
         <p:spPr/>
         <p:txBody>
-          <a:bodyPr/>
+          <a:bodyPr>
+            <a:normAutofit lnSpcReduction="10000"/>
+          </a:bodyPr>
           <a:lstStyle/>
           <a:p>
             <a:pPr marL="45720" indent="0">
@@ -3698,7 +3688,7 @@
               <a:t>- </a:t>
             </a:r>
             <a:r>
-              <a:rPr lang="en-US" sz="1800" b="1" dirty="0" smtClean="0">
+              <a:rPr lang="en-US" sz="1800" b="1" dirty="0" err="1" smtClean="0">
                 <a:solidFill>
                   <a:schemeClr val="tx1">
                     <a:lumMod val="50000"/>
@@ -3706,7 +3696,29 @@
                   </a:schemeClr>
                 </a:solidFill>
               </a:rPr>
-              <a:t>Text</a:t>
+              <a:t>Samarbejde</a:t>
+            </a:r>
+            <a:r>
+              <a:rPr lang="en-US" sz="1800" b="1" dirty="0" smtClean="0">
+                <a:solidFill>
+                  <a:schemeClr val="tx1">
+                    <a:lumMod val="50000"/>
+                    <a:lumOff val="50000"/>
+                  </a:schemeClr>
+                </a:solidFill>
+              </a:rPr>
+              <a:t> &amp; </a:t>
+            </a:r>
+            <a:r>
+              <a:rPr lang="en-US" sz="1800" b="1" dirty="0" err="1" smtClean="0">
+                <a:solidFill>
+                  <a:schemeClr val="tx1">
+                    <a:lumMod val="50000"/>
+                    <a:lumOff val="50000"/>
+                  </a:schemeClr>
+                </a:solidFill>
+              </a:rPr>
+              <a:t>Kommunikation</a:t>
             </a:r>
             <a:endParaRPr lang="en-US" sz="1800" b="1" dirty="0" smtClean="0">
               <a:solidFill>
@@ -3733,29 +3745,7 @@
                   </a:schemeClr>
                 </a:solidFill>
               </a:rPr>
-              <a:t>In </a:t>
-            </a:r>
-            <a:r>
-              <a:rPr lang="en-US" b="1" dirty="0" smtClean="0">
-                <a:solidFill>
-                  <a:schemeClr val="tx1">
-                    <a:lumMod val="65000"/>
-                    <a:lumOff val="35000"/>
-                  </a:schemeClr>
-                </a:solidFill>
-              </a:rPr>
-              <a:t>this </a:t>
-            </a:r>
-            <a:r>
-              <a:rPr lang="en-US" b="1" dirty="0" smtClean="0">
-                <a:solidFill>
-                  <a:schemeClr val="tx1">
-                    <a:lumMod val="65000"/>
-                    <a:lumOff val="35000"/>
-                  </a:schemeClr>
-                </a:solidFill>
-              </a:rPr>
-              <a:t>presentation</a:t>
+              <a:t>In this presentation</a:t>
             </a:r>
             <a:r>
               <a:rPr lang="en-US" dirty="0" smtClean="0"/>
@@ -3780,10 +3770,10 @@
                   </a:schemeClr>
                 </a:solidFill>
               </a:rPr>
-              <a:t>- Something</a:t>
-            </a:r>
-            <a:r>
-              <a:rPr lang="da-DK" sz="1800" dirty="0" smtClean="0">
+              <a:t>- </a:t>
+            </a:r>
+            <a:r>
+              <a:rPr lang="en-US" sz="1800" dirty="0" err="1" smtClean="0">
                 <a:solidFill>
                   <a:schemeClr val="tx1">
                     <a:lumMod val="50000"/>
@@ -3791,6 +3781,58 @@
                   </a:schemeClr>
                 </a:solidFill>
               </a:rPr>
+              <a:t>Fælles</a:t>
+            </a:r>
+            <a:r>
+              <a:rPr lang="en-US" sz="1800" dirty="0" smtClean="0">
+                <a:solidFill>
+                  <a:schemeClr val="tx1">
+                    <a:lumMod val="50000"/>
+                    <a:lumOff val="50000"/>
+                  </a:schemeClr>
+                </a:solidFill>
+              </a:rPr>
+              <a:t> </a:t>
+            </a:r>
+            <a:r>
+              <a:rPr lang="en-US" sz="1800" dirty="0" err="1" smtClean="0">
+                <a:solidFill>
+                  <a:schemeClr val="tx1">
+                    <a:lumMod val="50000"/>
+                    <a:lumOff val="50000"/>
+                  </a:schemeClr>
+                </a:solidFill>
+              </a:rPr>
+              <a:t>forståelse</a:t>
+            </a:r>
+            <a:r>
+              <a:rPr lang="en-US" sz="1800" dirty="0" smtClean="0">
+                <a:solidFill>
+                  <a:schemeClr val="tx1">
+                    <a:lumMod val="50000"/>
+                    <a:lumOff val="50000"/>
+                  </a:schemeClr>
+                </a:solidFill>
+              </a:rPr>
+              <a:t> (UML, Wiki, Issues) </a:t>
+            </a:r>
+            <a:r>
+              <a:rPr lang="en-US" sz="1800" dirty="0" smtClean="0">
+                <a:solidFill>
+                  <a:srgbClr val="FF0000"/>
+                </a:solidFill>
+              </a:rPr>
+              <a:t>#Andreas?</a:t>
+            </a:r>
+            <a:r>
+              <a:rPr lang="da-DK" sz="1800" dirty="0" smtClean="0">
+                <a:solidFill>
+                  <a:schemeClr val="tx1">
+                    <a:lumMod val="50000"/>
+                    <a:lumOff val="50000"/>
+                  </a:schemeClr>
+                </a:solidFill>
+              </a:rPr>
               <a:t/>
             </a:r>
             <a:br>
@@ -3812,7 +3854,26 @@
                   </a:schemeClr>
                 </a:solidFill>
               </a:rPr>
-              <a:t>- Something</a:t>
+              <a:t>- Discord </a:t>
+            </a:r>
+            <a:r>
+              <a:rPr lang="da-DK" sz="1800" dirty="0" smtClean="0">
+                <a:solidFill>
+                  <a:srgbClr val="FF0000"/>
+                </a:solidFill>
+              </a:rPr>
+              <a:t>#Olivia</a:t>
+            </a:r>
+            <a:r>
+              <a:rPr lang="da-DK" sz="1800" dirty="0" smtClean="0">
+                <a:solidFill>
+                  <a:schemeClr val="tx1">
+                    <a:lumMod val="50000"/>
+                    <a:lumOff val="50000"/>
+                  </a:schemeClr>
+                </a:solidFill>
+              </a:rPr>
+              <a:t/>
             </a:r>
             <a:br>
               <a:rPr lang="da-DK" sz="1800" dirty="0" smtClean="0">
@@ -3833,7 +3894,26 @@
                   </a:schemeClr>
                 </a:solidFill>
               </a:rPr>
-              <a:t>- Something</a:t>
+              <a:t>- TextUI </a:t>
+            </a:r>
+            <a:r>
+              <a:rPr lang="da-DK" sz="1800" dirty="0" smtClean="0">
+                <a:solidFill>
+                  <a:srgbClr val="FF0000"/>
+                </a:solidFill>
+              </a:rPr>
+              <a:t>#Jonas</a:t>
+            </a:r>
+            <a:r>
+              <a:rPr lang="da-DK" sz="1800" dirty="0" smtClean="0">
+                <a:solidFill>
+                  <a:schemeClr val="tx1">
+                    <a:lumMod val="50000"/>
+                    <a:lumOff val="50000"/>
+                  </a:schemeClr>
+                </a:solidFill>
+              </a:rPr>
+              <a:t/>
             </a:r>
             <a:br>
               <a:rPr lang="da-DK" sz="1800" dirty="0" smtClean="0">
@@ -3854,7 +3934,147 @@
                   </a:schemeClr>
                 </a:solidFill>
               </a:rPr>
-              <a:t>- Something</a:t>
+              <a:t>- Github </a:t>
+            </a:r>
+            <a:r>
+              <a:rPr lang="da-DK" sz="1800" dirty="0">
+                <a:solidFill>
+                  <a:schemeClr val="tx1">
+                    <a:lumMod val="50000"/>
+                    <a:lumOff val="50000"/>
+                  </a:schemeClr>
+                </a:solidFill>
+              </a:rPr>
+              <a:t>Project Overview </a:t>
+            </a:r>
+            <a:r>
+              <a:rPr lang="da-DK" sz="1800" dirty="0">
+                <a:solidFill>
+                  <a:srgbClr val="FF0000"/>
+                </a:solidFill>
+              </a:rPr>
+              <a:t>#Jonas</a:t>
+            </a:r>
+            <a:r>
+              <a:rPr lang="da-DK" sz="1800" dirty="0" smtClean="0">
+                <a:solidFill>
+                  <a:schemeClr val="tx1">
+                    <a:lumMod val="50000"/>
+                    <a:lumOff val="50000"/>
+                  </a:schemeClr>
+                </a:solidFill>
+              </a:rPr>
+              <a:t/>
+            </a:r>
+            <a:br>
+              <a:rPr lang="da-DK" sz="1800" dirty="0" smtClean="0">
+                <a:solidFill>
+                  <a:schemeClr val="tx1">
+                    <a:lumMod val="50000"/>
+                    <a:lumOff val="50000"/>
+                  </a:schemeClr>
+                </a:solidFill>
+              </a:rPr>
+            </a:br>
+            <a:r>
+              <a:rPr lang="da-DK" sz="1800" dirty="0" smtClean="0">
+                <a:solidFill>
+                  <a:schemeClr val="tx1">
+                    <a:lumMod val="50000"/>
+                    <a:lumOff val="50000"/>
+                  </a:schemeClr>
+                </a:solidFill>
+              </a:rPr>
+              <a:t>- Code With Me </a:t>
+            </a:r>
+            <a:r>
+              <a:rPr lang="da-DK" sz="1800" dirty="0">
+                <a:solidFill>
+                  <a:srgbClr val="FF0000"/>
+                </a:solidFill>
+              </a:rPr>
+              <a:t>#</a:t>
+            </a:r>
+            <a:r>
+              <a:rPr lang="da-DK" sz="1800" dirty="0" smtClean="0">
+                <a:solidFill>
+                  <a:srgbClr val="FF0000"/>
+                </a:solidFill>
+              </a:rPr>
+              <a:t>Olivia</a:t>
+            </a:r>
+            <a:r>
+              <a:rPr lang="da-DK" sz="1800" dirty="0" smtClean="0">
+                <a:solidFill>
+                  <a:schemeClr val="tx1">
+                    <a:lumMod val="50000"/>
+                    <a:lumOff val="50000"/>
+                  </a:schemeClr>
+                </a:solidFill>
+              </a:rPr>
+              <a:t/>
+            </a:r>
+            <a:br>
+              <a:rPr lang="da-DK" sz="1800" dirty="0" smtClean="0">
+                <a:solidFill>
+                  <a:schemeClr val="tx1">
+                    <a:lumMod val="50000"/>
+                    <a:lumOff val="50000"/>
+                  </a:schemeClr>
+                </a:solidFill>
+              </a:rPr>
+            </a:br>
+            <a:r>
+              <a:rPr lang="da-DK" sz="1800" dirty="0" smtClean="0">
+                <a:solidFill>
+                  <a:schemeClr val="tx1">
+                    <a:lumMod val="50000"/>
+                    <a:lumOff val="50000"/>
+                  </a:schemeClr>
+                </a:solidFill>
+              </a:rPr>
+              <a:t>- </a:t>
+            </a:r>
+            <a:r>
+              <a:rPr lang="da-DK" sz="1800" dirty="0" smtClean="0">
+                <a:solidFill>
+                  <a:schemeClr val="tx1">
+                    <a:lumMod val="50000"/>
+                    <a:lumOff val="50000"/>
+                  </a:schemeClr>
+                </a:solidFill>
+              </a:rPr>
+              <a:t>Merge, Commit, Push (</a:t>
+            </a:r>
+            <a:r>
+              <a:rPr lang="da-DK" sz="1800" dirty="0">
+                <a:solidFill>
+                  <a:schemeClr val="tx1">
+                    <a:lumMod val="50000"/>
+                    <a:lumOff val="50000"/>
+                  </a:schemeClr>
+                </a:solidFill>
+              </a:rPr>
+              <a:t>Branches) </a:t>
+            </a:r>
+            <a:r>
+              <a:rPr lang="da-DK" sz="1800" dirty="0">
+                <a:solidFill>
+                  <a:srgbClr val="FF0000"/>
+                </a:solidFill>
+              </a:rPr>
+              <a:t>#Jonas</a:t>
+            </a:r>
+            <a:r>
+              <a:rPr lang="da-DK" sz="1800" dirty="0" smtClean="0">
+                <a:solidFill>
+                  <a:schemeClr val="tx1">
+                    <a:lumMod val="50000"/>
+                    <a:lumOff val="50000"/>
+                  </a:schemeClr>
+                </a:solidFill>
+              </a:rPr>
+              <a:t/>
             </a:r>
             <a:br>
               <a:rPr lang="da-DK" sz="1800" dirty="0" smtClean="0">
